--- a/present_ppt.pptx
+++ b/present_ppt.pptx
@@ -5,7 +5,7 @@
     <p:sldMasterId id="2147483648" r:id="rId1"/>
   </p:sldMasterIdLst>
   <p:notesMasterIdLst>
-    <p:notesMasterId r:id="rId13"/>
+    <p:notesMasterId r:id="rId17"/>
   </p:notesMasterIdLst>
   <p:sldIdLst>
     <p:sldId id="272" r:id="rId2"/>
@@ -19,6 +19,10 @@
     <p:sldId id="278" r:id="rId10"/>
     <p:sldId id="280" r:id="rId11"/>
     <p:sldId id="279" r:id="rId12"/>
+    <p:sldId id="283" r:id="rId13"/>
+    <p:sldId id="284" r:id="rId14"/>
+    <p:sldId id="285" r:id="rId15"/>
+    <p:sldId id="286" r:id="rId16"/>
   </p:sldIdLst>
   <p:sldSz cx="12192000" cy="6858000"/>
   <p:notesSz cx="6858000" cy="9144000"/>
@@ -207,7 +211,7 @@
           <a:p>
             <a:fld id="{0F0909FE-C74E-440E-A2C1-8A08AD75C18E}" type="datetimeFigureOut">
               <a:rPr lang="en-DE" smtClean="0"/>
-              <a:t>18/12/2024</a:t>
+              <a:t>16/01/2025</a:t>
             </a:fld>
             <a:endParaRPr lang="en-DE"/>
           </a:p>
@@ -2045,7 +2049,7 @@
           <a:p>
             <a:fld id="{02743874-E1A9-40B7-9BCA-F5B94F732ABA}" type="datetime8">
               <a:rPr lang="en-DE" smtClean="0"/>
-              <a:t>18/12/2024 09:03</a:t>
+              <a:t>16/01/2025 10:03</a:t>
             </a:fld>
             <a:endParaRPr lang="en-DE"/>
           </a:p>
@@ -2245,7 +2249,7 @@
           <a:p>
             <a:fld id="{BB83C190-263C-4AA1-9251-EEF2AB342EDF}" type="datetime8">
               <a:rPr lang="en-DE" smtClean="0"/>
-              <a:t>18/12/2024 09:03</a:t>
+              <a:t>16/01/2025 10:03</a:t>
             </a:fld>
             <a:endParaRPr lang="en-DE"/>
           </a:p>
@@ -2455,7 +2459,7 @@
           <a:p>
             <a:fld id="{14618B5A-CFE5-4ED1-9F53-ABF62E203A06}" type="datetime8">
               <a:rPr lang="en-DE" smtClean="0"/>
-              <a:t>18/12/2024 09:03</a:t>
+              <a:t>16/01/2025 10:03</a:t>
             </a:fld>
             <a:endParaRPr lang="en-DE"/>
           </a:p>
@@ -2655,7 +2659,7 @@
           <a:p>
             <a:fld id="{AD401FA0-24C5-4633-8956-975C7CDCF564}" type="datetime8">
               <a:rPr lang="en-DE" smtClean="0"/>
-              <a:t>18/12/2024 09:03</a:t>
+              <a:t>16/01/2025 10:03</a:t>
             </a:fld>
             <a:endParaRPr lang="en-DE"/>
           </a:p>
@@ -2931,7 +2935,7 @@
           <a:p>
             <a:fld id="{2E3E2D1D-8357-4433-A9BB-F5AABD925242}" type="datetime8">
               <a:rPr lang="en-DE" smtClean="0"/>
-              <a:t>18/12/2024 09:03</a:t>
+              <a:t>16/01/2025 10:03</a:t>
             </a:fld>
             <a:endParaRPr lang="en-DE"/>
           </a:p>
@@ -3199,7 +3203,7 @@
           <a:p>
             <a:fld id="{5D096F80-40FB-43CC-8CB0-36ABC92C2B4D}" type="datetime8">
               <a:rPr lang="en-DE" smtClean="0"/>
-              <a:t>18/12/2024 09:03</a:t>
+              <a:t>16/01/2025 10:03</a:t>
             </a:fld>
             <a:endParaRPr lang="en-DE"/>
           </a:p>
@@ -3614,7 +3618,7 @@
           <a:p>
             <a:fld id="{5438B5D0-84E0-4362-A536-01072B341636}" type="datetime8">
               <a:rPr lang="en-DE" smtClean="0"/>
-              <a:t>18/12/2024 09:03</a:t>
+              <a:t>16/01/2025 10:03</a:t>
             </a:fld>
             <a:endParaRPr lang="en-DE"/>
           </a:p>
@@ -3756,7 +3760,7 @@
           <a:p>
             <a:fld id="{49065C48-10A0-4B7E-A633-FDBB5895AA4E}" type="datetime8">
               <a:rPr lang="en-DE" smtClean="0"/>
-              <a:t>18/12/2024 09:03</a:t>
+              <a:t>16/01/2025 10:03</a:t>
             </a:fld>
             <a:endParaRPr lang="en-DE"/>
           </a:p>
@@ -3869,7 +3873,7 @@
           <a:p>
             <a:fld id="{1F615F9F-C552-42A6-8013-367A96CBBEFB}" type="datetime8">
               <a:rPr lang="en-DE" smtClean="0"/>
-              <a:t>18/12/2024 09:03</a:t>
+              <a:t>16/01/2025 10:03</a:t>
             </a:fld>
             <a:endParaRPr lang="en-DE"/>
           </a:p>
@@ -4182,7 +4186,7 @@
           <a:p>
             <a:fld id="{B3CDDC80-09C9-4F22-885D-C1059E119F6E}" type="datetime8">
               <a:rPr lang="en-DE" smtClean="0"/>
-              <a:t>18/12/2024 09:03</a:t>
+              <a:t>16/01/2025 10:03</a:t>
             </a:fld>
             <a:endParaRPr lang="en-DE"/>
           </a:p>
@@ -4471,7 +4475,7 @@
           <a:p>
             <a:fld id="{3A2EC3A6-82C8-4478-AD2B-237FAF37D060}" type="datetime8">
               <a:rPr lang="en-DE" smtClean="0"/>
-              <a:t>18/12/2024 09:03</a:t>
+              <a:t>16/01/2025 10:03</a:t>
             </a:fld>
             <a:endParaRPr lang="en-DE"/>
           </a:p>
@@ -4714,7 +4718,7 @@
           <a:p>
             <a:fld id="{5D892D36-BE7A-4E51-AFF5-8FB30AC7949B}" type="datetime8">
               <a:rPr lang="en-DE" smtClean="0"/>
-              <a:t>18/12/2024 09:03</a:t>
+              <a:t>16/01/2025 10:03</a:t>
             </a:fld>
             <a:endParaRPr lang="en-DE"/>
           </a:p>
@@ -6645,6 +6649,1994 @@
     <p:extLst>
       <p:ext uri="{BB962C8B-B14F-4D97-AF65-F5344CB8AC3E}">
         <p14:creationId xmlns:p14="http://schemas.microsoft.com/office/powerpoint/2010/main" val="3281121311"/>
+      </p:ext>
+    </p:extLst>
+  </p:cSld>
+  <p:clrMapOvr>
+    <a:masterClrMapping/>
+  </p:clrMapOvr>
+</p:sld>
+</file>
+
+<file path=ppt/slides/slide12.xml><?xml version="1.0" encoding="utf-8"?>
+<p:sld xmlns:a="http://schemas.openxmlformats.org/drawingml/2006/main" xmlns:r="http://schemas.openxmlformats.org/officeDocument/2006/relationships" xmlns:p="http://schemas.openxmlformats.org/presentationml/2006/main">
+  <p:cSld>
+    <p:spTree>
+      <p:nvGrpSpPr>
+        <p:cNvPr id="1" name=""/>
+        <p:cNvGrpSpPr/>
+        <p:nvPr/>
+      </p:nvGrpSpPr>
+      <p:grpSpPr>
+        <a:xfrm>
+          <a:off x="0" y="0"/>
+          <a:ext cx="0" cy="0"/>
+          <a:chOff x="0" y="0"/>
+          <a:chExt cx="0" cy="0"/>
+        </a:xfrm>
+      </p:grpSpPr>
+      <p:sp>
+        <p:nvSpPr>
+          <p:cNvPr id="4" name="Slide Number Placeholder 3">
+            <a:extLst>
+              <a:ext uri="{FF2B5EF4-FFF2-40B4-BE49-F238E27FC236}">
+                <a16:creationId xmlns:a16="http://schemas.microsoft.com/office/drawing/2014/main" id="{DC17E902-C703-CD37-E8E2-478A3D7576DE}"/>
+              </a:ext>
+            </a:extLst>
+          </p:cNvPr>
+          <p:cNvSpPr>
+            <a:spLocks noGrp="1"/>
+          </p:cNvSpPr>
+          <p:nvPr>
+            <p:ph type="sldNum" sz="quarter" idx="12"/>
+          </p:nvPr>
+        </p:nvSpPr>
+        <p:spPr/>
+        <p:txBody>
+          <a:bodyPr/>
+          <a:lstStyle/>
+          <a:p>
+            <a:fld id="{5F0A41CE-7C2B-4B37-9810-C6BF1AF0EA25}" type="slidenum">
+              <a:rPr lang="en-DE" smtClean="0"/>
+              <a:t>12</a:t>
+            </a:fld>
+            <a:endParaRPr lang="en-DE"/>
+          </a:p>
+        </p:txBody>
+      </p:sp>
+      <p:sp>
+        <p:nvSpPr>
+          <p:cNvPr id="5" name="TextBox 4">
+            <a:extLst>
+              <a:ext uri="{FF2B5EF4-FFF2-40B4-BE49-F238E27FC236}">
+                <a16:creationId xmlns:a16="http://schemas.microsoft.com/office/drawing/2014/main" id="{1B7B16CE-119B-8EAB-B5B9-6024AAF795CF}"/>
+              </a:ext>
+            </a:extLst>
+          </p:cNvPr>
+          <p:cNvSpPr txBox="1"/>
+          <p:nvPr/>
+        </p:nvSpPr>
+        <p:spPr>
+          <a:xfrm>
+            <a:off x="9995313" y="294144"/>
+            <a:ext cx="1520866" cy="461665"/>
+          </a:xfrm>
+          <a:prstGeom prst="rect">
+            <a:avLst/>
+          </a:prstGeom>
+          <a:noFill/>
+        </p:spPr>
+        <p:txBody>
+          <a:bodyPr wrap="none" rtlCol="0">
+            <a:spAutoFit/>
+          </a:bodyPr>
+          <a:lstStyle/>
+          <a:p>
+            <a:r>
+              <a:rPr lang="en-GB" sz="2400" b="1" dirty="0">
+                <a:solidFill>
+                  <a:schemeClr val="accent5">
+                    <a:lumMod val="75000"/>
+                  </a:schemeClr>
+                </a:solidFill>
+              </a:rPr>
+              <a:t>Next steps</a:t>
+            </a:r>
+            <a:endParaRPr lang="en-DE" sz="2400" b="1" dirty="0">
+              <a:solidFill>
+                <a:schemeClr val="accent5">
+                  <a:lumMod val="75000"/>
+                </a:schemeClr>
+              </a:solidFill>
+            </a:endParaRPr>
+          </a:p>
+        </p:txBody>
+      </p:sp>
+      <p:sp>
+        <p:nvSpPr>
+          <p:cNvPr id="6" name="TextBox 5">
+            <a:extLst>
+              <a:ext uri="{FF2B5EF4-FFF2-40B4-BE49-F238E27FC236}">
+                <a16:creationId xmlns:a16="http://schemas.microsoft.com/office/drawing/2014/main" id="{07EB1DF6-B859-8857-0BAB-8E80FC9F17B0}"/>
+              </a:ext>
+            </a:extLst>
+          </p:cNvPr>
+          <p:cNvSpPr txBox="1"/>
+          <p:nvPr/>
+        </p:nvSpPr>
+        <p:spPr>
+          <a:xfrm>
+            <a:off x="330019" y="294144"/>
+            <a:ext cx="11186160" cy="6463308"/>
+          </a:xfrm>
+          <a:prstGeom prst="rect">
+            <a:avLst/>
+          </a:prstGeom>
+          <a:noFill/>
+        </p:spPr>
+        <p:txBody>
+          <a:bodyPr wrap="square" rtlCol="0">
+            <a:spAutoFit/>
+          </a:bodyPr>
+          <a:lstStyle/>
+          <a:p>
+            <a:r>
+              <a:rPr lang="en-GB" dirty="0"/>
+              <a:t>More robust topic </a:t>
+            </a:r>
+            <a:r>
+              <a:rPr lang="en-GB" dirty="0" err="1"/>
+              <a:t>modeling</a:t>
+            </a:r>
+            <a:endParaRPr lang="en-GB" dirty="0"/>
+          </a:p>
+          <a:p>
+            <a:endParaRPr lang="en-GB" dirty="0"/>
+          </a:p>
+          <a:p>
+            <a:r>
+              <a:rPr lang="en-GB" b="1" dirty="0"/>
+              <a:t>“Pre-register”</a:t>
+            </a:r>
+          </a:p>
+          <a:p>
+            <a:r>
+              <a:rPr lang="en-GB" dirty="0"/>
+              <a:t>a) what topics a good model would include or not include,</a:t>
+            </a:r>
+          </a:p>
+          <a:p>
+            <a:r>
+              <a:rPr lang="en-GB" dirty="0"/>
+              <a:t>b) how many topics you would expect at a minimum and maximum, or</a:t>
+            </a:r>
+          </a:p>
+          <a:p>
+            <a:r>
+              <a:rPr lang="en-GB" dirty="0"/>
+              <a:t>c) which patterns would you expect to find (external events correlations) </a:t>
+            </a:r>
+          </a:p>
+          <a:p>
+            <a:endParaRPr lang="en-GB" dirty="0"/>
+          </a:p>
+          <a:p>
+            <a:r>
+              <a:rPr lang="en-GB" b="1" dirty="0"/>
+              <a:t>Model build-up</a:t>
+            </a:r>
+            <a:endParaRPr lang="en-GB" dirty="0"/>
+          </a:p>
+          <a:p>
+            <a:r>
+              <a:rPr lang="en-GB" dirty="0"/>
+              <a:t>Trimming (95%/0.5% , 90%/1%)</a:t>
+            </a:r>
+          </a:p>
+          <a:p>
+            <a:r>
+              <a:rPr lang="en-GB" dirty="0"/>
+              <a:t>k (4 to 50) </a:t>
+            </a:r>
+          </a:p>
+          <a:p>
+            <a:r>
+              <a:rPr lang="en-GB" dirty="0"/>
+              <a:t>α (0.1 to 1), (β was set to 1/k)</a:t>
+            </a:r>
+          </a:p>
+          <a:p>
+            <a:r>
+              <a:rPr lang="en-GB" dirty="0"/>
+              <a:t>runs (3)</a:t>
+            </a:r>
+          </a:p>
+          <a:p>
+            <a:endParaRPr lang="en-GB" dirty="0"/>
+          </a:p>
+          <a:p>
+            <a:r>
+              <a:rPr lang="en-GB" b="1" dirty="0"/>
+              <a:t>Model validation</a:t>
+            </a:r>
+          </a:p>
+          <a:p>
+            <a:r>
+              <a:rPr lang="de-DE" u="sng" dirty="0" err="1"/>
+              <a:t>Shallow</a:t>
+            </a:r>
+            <a:r>
+              <a:rPr lang="de-DE" dirty="0"/>
+              <a:t> </a:t>
+            </a:r>
+            <a:r>
+              <a:rPr lang="en-GB" dirty="0"/>
+              <a:t>(qualitatively checking 10 top words and 5 documents)</a:t>
+            </a:r>
+          </a:p>
+          <a:p>
+            <a:r>
+              <a:rPr lang="en-GB" dirty="0"/>
+              <a:t>chose two models which have the most interpretable topics for further human-based validation. </a:t>
+            </a:r>
+          </a:p>
+          <a:p>
+            <a:r>
+              <a:rPr lang="en-GB" dirty="0"/>
+              <a:t>a) be meaningfully interpreted by humans and </a:t>
+            </a:r>
+          </a:p>
+          <a:p>
+            <a:r>
+              <a:rPr lang="en-GB" dirty="0"/>
+              <a:t>b) are theoretically sensible for the context of Austrian politics between 2004 and 2020.</a:t>
+            </a:r>
+          </a:p>
+          <a:p>
+            <a:endParaRPr lang="en-GB" dirty="0"/>
+          </a:p>
+          <a:p>
+            <a:r>
+              <a:rPr lang="en-GB" u="sng" dirty="0"/>
+              <a:t>In depth</a:t>
+            </a:r>
+            <a:r>
+              <a:rPr lang="en-GB" dirty="0"/>
+              <a:t> (two best models from shallow validation)</a:t>
+            </a:r>
+          </a:p>
+          <a:p>
+            <a:r>
+              <a:rPr lang="en-GB" dirty="0"/>
+              <a:t>- </a:t>
+            </a:r>
+            <a:r>
+              <a:rPr lang="en-GB" dirty="0">
+                <a:solidFill>
+                  <a:srgbClr val="FF0000"/>
+                </a:solidFill>
+              </a:rPr>
+              <a:t>Word intrusion task</a:t>
+            </a:r>
+          </a:p>
+          <a:p>
+            <a:r>
+              <a:rPr lang="en-GB" dirty="0"/>
+              <a:t>- Topic </a:t>
+            </a:r>
+            <a:r>
+              <a:rPr lang="en-GB" dirty="0" err="1"/>
+              <a:t>Labeling</a:t>
+            </a:r>
+            <a:r>
+              <a:rPr lang="en-GB" dirty="0"/>
+              <a:t>: we read 10 documents per topic</a:t>
+            </a:r>
+          </a:p>
+          <a:p>
+            <a:r>
+              <a:rPr lang="en-GB" dirty="0"/>
+              <a:t>- External Events</a:t>
+            </a:r>
+            <a:endParaRPr lang="en-DE" dirty="0"/>
+          </a:p>
+        </p:txBody>
+      </p:sp>
+      <p:sp>
+        <p:nvSpPr>
+          <p:cNvPr id="7" name="Rectangle 6">
+            <a:extLst>
+              <a:ext uri="{FF2B5EF4-FFF2-40B4-BE49-F238E27FC236}">
+                <a16:creationId xmlns:a16="http://schemas.microsoft.com/office/drawing/2014/main" id="{BB1FF4A1-EB84-2490-A8E7-71608D68EA9A}"/>
+              </a:ext>
+            </a:extLst>
+          </p:cNvPr>
+          <p:cNvSpPr/>
+          <p:nvPr/>
+        </p:nvSpPr>
+        <p:spPr>
+          <a:xfrm>
+            <a:off x="9814560" y="100548"/>
+            <a:ext cx="1940560" cy="869315"/>
+          </a:xfrm>
+          <a:prstGeom prst="rect">
+            <a:avLst/>
+          </a:prstGeom>
+          <a:noFill/>
+          <a:ln w="38100">
+            <a:solidFill>
+              <a:srgbClr val="0070C0"/>
+            </a:solidFill>
+          </a:ln>
+        </p:spPr>
+        <p:style>
+          <a:lnRef idx="2">
+            <a:schemeClr val="accent1">
+              <a:shade val="15000"/>
+            </a:schemeClr>
+          </a:lnRef>
+          <a:fillRef idx="1">
+            <a:schemeClr val="accent1"/>
+          </a:fillRef>
+          <a:effectRef idx="0">
+            <a:schemeClr val="accent1"/>
+          </a:effectRef>
+          <a:fontRef idx="minor">
+            <a:schemeClr val="lt1"/>
+          </a:fontRef>
+        </p:style>
+        <p:txBody>
+          <a:bodyPr rtlCol="0" anchor="ctr"/>
+          <a:lstStyle/>
+          <a:p>
+            <a:pPr algn="ctr"/>
+            <a:endParaRPr lang="en-DE"/>
+          </a:p>
+        </p:txBody>
+      </p:sp>
+      <p:sp>
+        <p:nvSpPr>
+          <p:cNvPr id="8" name="Rectangle 7">
+            <a:extLst>
+              <a:ext uri="{FF2B5EF4-FFF2-40B4-BE49-F238E27FC236}">
+                <a16:creationId xmlns:a16="http://schemas.microsoft.com/office/drawing/2014/main" id="{9D9B62F3-CD2D-B38D-F38E-799CA095D741}"/>
+              </a:ext>
+            </a:extLst>
+          </p:cNvPr>
+          <p:cNvSpPr/>
+          <p:nvPr/>
+        </p:nvSpPr>
+        <p:spPr>
+          <a:xfrm>
+            <a:off x="279218" y="203200"/>
+            <a:ext cx="2986679" cy="552609"/>
+          </a:xfrm>
+          <a:prstGeom prst="rect">
+            <a:avLst/>
+          </a:prstGeom>
+          <a:noFill/>
+          <a:ln w="38100">
+            <a:solidFill>
+              <a:srgbClr val="0070C0"/>
+            </a:solidFill>
+          </a:ln>
+        </p:spPr>
+        <p:style>
+          <a:lnRef idx="2">
+            <a:schemeClr val="accent1">
+              <a:shade val="15000"/>
+            </a:schemeClr>
+          </a:lnRef>
+          <a:fillRef idx="1">
+            <a:schemeClr val="accent1"/>
+          </a:fillRef>
+          <a:effectRef idx="0">
+            <a:schemeClr val="accent1"/>
+          </a:effectRef>
+          <a:fontRef idx="minor">
+            <a:schemeClr val="lt1"/>
+          </a:fontRef>
+        </p:style>
+        <p:txBody>
+          <a:bodyPr rtlCol="0" anchor="ctr"/>
+          <a:lstStyle/>
+          <a:p>
+            <a:pPr algn="ctr"/>
+            <a:endParaRPr lang="en-DE"/>
+          </a:p>
+        </p:txBody>
+      </p:sp>
+      <p:sp>
+        <p:nvSpPr>
+          <p:cNvPr id="9" name="Rectangle 8">
+            <a:extLst>
+              <a:ext uri="{FF2B5EF4-FFF2-40B4-BE49-F238E27FC236}">
+                <a16:creationId xmlns:a16="http://schemas.microsoft.com/office/drawing/2014/main" id="{77A0BD9E-E798-3BA7-2687-B6CB48A8AF36}"/>
+              </a:ext>
+            </a:extLst>
+          </p:cNvPr>
+          <p:cNvSpPr/>
+          <p:nvPr/>
+        </p:nvSpPr>
+        <p:spPr>
+          <a:xfrm>
+            <a:off x="8483418" y="1685508"/>
+            <a:ext cx="3576502" cy="1891071"/>
+          </a:xfrm>
+          <a:prstGeom prst="rect">
+            <a:avLst/>
+          </a:prstGeom>
+          <a:noFill/>
+          <a:ln w="38100">
+            <a:solidFill>
+              <a:srgbClr val="0070C0"/>
+            </a:solidFill>
+          </a:ln>
+        </p:spPr>
+        <p:style>
+          <a:lnRef idx="2">
+            <a:schemeClr val="accent1">
+              <a:shade val="15000"/>
+            </a:schemeClr>
+          </a:lnRef>
+          <a:fillRef idx="1">
+            <a:schemeClr val="accent1"/>
+          </a:fillRef>
+          <a:effectRef idx="0">
+            <a:schemeClr val="accent1"/>
+          </a:effectRef>
+          <a:fontRef idx="minor">
+            <a:schemeClr val="lt1"/>
+          </a:fontRef>
+        </p:style>
+        <p:txBody>
+          <a:bodyPr rtlCol="0" anchor="ctr"/>
+          <a:lstStyle/>
+          <a:p>
+            <a:pPr algn="ctr"/>
+            <a:endParaRPr lang="en-DE"/>
+          </a:p>
+        </p:txBody>
+      </p:sp>
+      <p:sp>
+        <p:nvSpPr>
+          <p:cNvPr id="10" name="TextBox 9">
+            <a:extLst>
+              <a:ext uri="{FF2B5EF4-FFF2-40B4-BE49-F238E27FC236}">
+                <a16:creationId xmlns:a16="http://schemas.microsoft.com/office/drawing/2014/main" id="{D03CB19A-A22A-52A0-49EC-6A66A21F5E24}"/>
+              </a:ext>
+            </a:extLst>
+          </p:cNvPr>
+          <p:cNvSpPr txBox="1"/>
+          <p:nvPr/>
+        </p:nvSpPr>
+        <p:spPr>
+          <a:xfrm>
+            <a:off x="8544377" y="1718309"/>
+            <a:ext cx="3576503" cy="1754326"/>
+          </a:xfrm>
+          <a:prstGeom prst="rect">
+            <a:avLst/>
+          </a:prstGeom>
+          <a:noFill/>
+        </p:spPr>
+        <p:txBody>
+          <a:bodyPr wrap="square" rtlCol="0">
+            <a:spAutoFit/>
+          </a:bodyPr>
+          <a:lstStyle/>
+          <a:p>
+            <a:r>
+              <a:rPr lang="en-GB" dirty="0"/>
+              <a:t>?</a:t>
+            </a:r>
+          </a:p>
+          <a:p>
+            <a:r>
+              <a:rPr lang="en-GB" dirty="0"/>
+              <a:t>Divide between training and test set?</a:t>
+            </a:r>
+          </a:p>
+          <a:p>
+            <a:r>
+              <a:rPr lang="en-GB" dirty="0"/>
+              <a:t>Other topic selection approaches? </a:t>
+            </a:r>
+          </a:p>
+          <a:p>
+            <a:r>
+              <a:rPr lang="en-GB" dirty="0"/>
+              <a:t>     -Alina approach / </a:t>
+            </a:r>
+            <a:r>
+              <a:rPr lang="en-GB" dirty="0" err="1"/>
+              <a:t>BertTopic</a:t>
+            </a:r>
+            <a:endParaRPr lang="en-GB" dirty="0"/>
+          </a:p>
+          <a:p>
+            <a:r>
+              <a:rPr lang="en-GB" dirty="0"/>
+              <a:t>     -Prompting approach (</a:t>
+            </a:r>
+            <a:r>
+              <a:rPr lang="en-GB" dirty="0" err="1"/>
+              <a:t>TopicGPT</a:t>
+            </a:r>
+            <a:r>
+              <a:rPr lang="en-GB" dirty="0"/>
+              <a:t>)</a:t>
+            </a:r>
+          </a:p>
+        </p:txBody>
+      </p:sp>
+      <p:sp>
+        <p:nvSpPr>
+          <p:cNvPr id="12" name="TextBox 11">
+            <a:extLst>
+              <a:ext uri="{FF2B5EF4-FFF2-40B4-BE49-F238E27FC236}">
+                <a16:creationId xmlns:a16="http://schemas.microsoft.com/office/drawing/2014/main" id="{373BD6E7-452C-EC42-1FC7-0C34DC1BD387}"/>
+              </a:ext>
+            </a:extLst>
+          </p:cNvPr>
+          <p:cNvSpPr txBox="1"/>
+          <p:nvPr/>
+        </p:nvSpPr>
+        <p:spPr>
+          <a:xfrm>
+            <a:off x="3385548" y="294144"/>
+            <a:ext cx="2103120" cy="369332"/>
+          </a:xfrm>
+          <a:prstGeom prst="rect">
+            <a:avLst/>
+          </a:prstGeom>
+          <a:noFill/>
+        </p:spPr>
+        <p:txBody>
+          <a:bodyPr wrap="square">
+            <a:spAutoFit/>
+          </a:bodyPr>
+          <a:lstStyle/>
+          <a:p>
+            <a:r>
+              <a:rPr lang="en-DE" dirty="0"/>
+              <a:t>(Bernhardt, 2023)</a:t>
+            </a:r>
+          </a:p>
+        </p:txBody>
+      </p:sp>
+    </p:spTree>
+    <p:extLst>
+      <p:ext uri="{BB962C8B-B14F-4D97-AF65-F5344CB8AC3E}">
+        <p14:creationId xmlns:p14="http://schemas.microsoft.com/office/powerpoint/2010/main" val="2929004190"/>
+      </p:ext>
+    </p:extLst>
+  </p:cSld>
+  <p:clrMapOvr>
+    <a:masterClrMapping/>
+  </p:clrMapOvr>
+</p:sld>
+</file>
+
+<file path=ppt/slides/slide13.xml><?xml version="1.0" encoding="utf-8"?>
+<p:sld xmlns:a="http://schemas.openxmlformats.org/drawingml/2006/main" xmlns:r="http://schemas.openxmlformats.org/officeDocument/2006/relationships" xmlns:p="http://schemas.openxmlformats.org/presentationml/2006/main">
+  <p:cSld>
+    <p:spTree>
+      <p:nvGrpSpPr>
+        <p:cNvPr id="1" name=""/>
+        <p:cNvGrpSpPr/>
+        <p:nvPr/>
+      </p:nvGrpSpPr>
+      <p:grpSpPr>
+        <a:xfrm>
+          <a:off x="0" y="0"/>
+          <a:ext cx="0" cy="0"/>
+          <a:chOff x="0" y="0"/>
+          <a:chExt cx="0" cy="0"/>
+        </a:xfrm>
+      </p:grpSpPr>
+      <p:sp>
+        <p:nvSpPr>
+          <p:cNvPr id="4" name="Slide Number Placeholder 3">
+            <a:extLst>
+              <a:ext uri="{FF2B5EF4-FFF2-40B4-BE49-F238E27FC236}">
+                <a16:creationId xmlns:a16="http://schemas.microsoft.com/office/drawing/2014/main" id="{7A506780-31AA-C719-E25F-FC47D89CAF36}"/>
+              </a:ext>
+            </a:extLst>
+          </p:cNvPr>
+          <p:cNvSpPr>
+            <a:spLocks noGrp="1"/>
+          </p:cNvSpPr>
+          <p:nvPr>
+            <p:ph type="sldNum" sz="quarter" idx="12"/>
+          </p:nvPr>
+        </p:nvSpPr>
+        <p:spPr/>
+        <p:txBody>
+          <a:bodyPr/>
+          <a:lstStyle/>
+          <a:p>
+            <a:fld id="{5F0A41CE-7C2B-4B37-9810-C6BF1AF0EA25}" type="slidenum">
+              <a:rPr lang="en-DE" smtClean="0"/>
+              <a:t>13</a:t>
+            </a:fld>
+            <a:endParaRPr lang="en-DE"/>
+          </a:p>
+        </p:txBody>
+      </p:sp>
+      <p:sp>
+        <p:nvSpPr>
+          <p:cNvPr id="6" name="TextBox 5">
+            <a:extLst>
+              <a:ext uri="{FF2B5EF4-FFF2-40B4-BE49-F238E27FC236}">
+                <a16:creationId xmlns:a16="http://schemas.microsoft.com/office/drawing/2014/main" id="{8D2E058E-9129-2815-FF54-E1F8D61A8015}"/>
+              </a:ext>
+            </a:extLst>
+          </p:cNvPr>
+          <p:cNvSpPr txBox="1"/>
+          <p:nvPr/>
+        </p:nvSpPr>
+        <p:spPr>
+          <a:xfrm>
+            <a:off x="243840" y="307489"/>
+            <a:ext cx="7528560" cy="5355312"/>
+          </a:xfrm>
+          <a:prstGeom prst="rect">
+            <a:avLst/>
+          </a:prstGeom>
+          <a:noFill/>
+        </p:spPr>
+        <p:txBody>
+          <a:bodyPr wrap="square">
+            <a:spAutoFit/>
+          </a:bodyPr>
+          <a:lstStyle/>
+          <a:p>
+            <a:r>
+              <a:rPr lang="en-GB" dirty="0"/>
+              <a:t>LLM Codebook annotation and results evaluation</a:t>
+            </a:r>
+          </a:p>
+          <a:p>
+            <a:endParaRPr lang="en-GB" dirty="0"/>
+          </a:p>
+          <a:p>
+            <a:r>
+              <a:rPr lang="en-GB" b="1" dirty="0"/>
+              <a:t>Follow previous research and perform ablation experiments</a:t>
+            </a:r>
+          </a:p>
+          <a:p>
+            <a:endParaRPr lang="en-GB" dirty="0"/>
+          </a:p>
+          <a:p>
+            <a:r>
+              <a:rPr lang="en-DE" dirty="0"/>
+              <a:t>Halterman</a:t>
+            </a:r>
+            <a:r>
+              <a:rPr lang="en-GB" dirty="0"/>
+              <a:t> (</a:t>
+            </a:r>
+            <a:r>
+              <a:rPr lang="en-DE" dirty="0"/>
+              <a:t>2025)</a:t>
+            </a:r>
+            <a:r>
+              <a:rPr lang="en-GB" dirty="0"/>
+              <a:t> steps:</a:t>
+            </a:r>
+          </a:p>
+          <a:p>
+            <a:r>
+              <a:rPr lang="en-DE" dirty="0"/>
+              <a:t> </a:t>
+            </a:r>
+          </a:p>
+          <a:p>
+            <a:r>
+              <a:rPr lang="en-GB" dirty="0"/>
+              <a:t>1</a:t>
+            </a:r>
+            <a:r>
+              <a:rPr lang="en-DE" dirty="0"/>
+              <a:t>-</a:t>
+            </a:r>
+            <a:r>
+              <a:rPr lang="en-GB" dirty="0"/>
+              <a:t> P</a:t>
+            </a:r>
+            <a:r>
+              <a:rPr lang="en-DE" dirty="0" err="1"/>
+              <a:t>repare</a:t>
+            </a:r>
+            <a:r>
+              <a:rPr lang="en-DE" dirty="0"/>
+              <a:t> </a:t>
+            </a:r>
+            <a:r>
+              <a:rPr lang="en-GB" dirty="0"/>
+              <a:t>C</a:t>
+            </a:r>
+            <a:r>
+              <a:rPr lang="en-DE" dirty="0" err="1"/>
+              <a:t>odebook</a:t>
+            </a:r>
+            <a:endParaRPr lang="en-DE" dirty="0"/>
+          </a:p>
+          <a:p>
+            <a:r>
+              <a:rPr lang="en-GB" dirty="0"/>
+              <a:t>- </a:t>
+            </a:r>
+            <a:r>
+              <a:rPr lang="en-DE" dirty="0"/>
+              <a:t>definition, positive example, and negative example can improve zero-shot performance</a:t>
+            </a:r>
+          </a:p>
+          <a:p>
+            <a:r>
+              <a:rPr lang="en-GB" dirty="0"/>
+              <a:t>- chain of thought </a:t>
+            </a:r>
+          </a:p>
+          <a:p>
+            <a:endParaRPr lang="en-DE" dirty="0"/>
+          </a:p>
+          <a:p>
+            <a:r>
+              <a:rPr lang="en-GB" dirty="0"/>
+              <a:t>2</a:t>
+            </a:r>
+            <a:r>
+              <a:rPr lang="en-DE" dirty="0"/>
+              <a:t>-</a:t>
+            </a:r>
+            <a:r>
+              <a:rPr lang="en-GB" dirty="0"/>
+              <a:t> LLM</a:t>
+            </a:r>
+            <a:r>
+              <a:rPr lang="en-DE" dirty="0"/>
+              <a:t> basic capabilities (Label-free </a:t>
+            </a:r>
+            <a:r>
+              <a:rPr lang="en-DE" dirty="0" err="1"/>
+              <a:t>behavioral</a:t>
+            </a:r>
+            <a:r>
+              <a:rPr lang="en-DE" dirty="0"/>
+              <a:t> testing): order, change definitions</a:t>
+            </a:r>
+            <a:endParaRPr lang="en-GB" dirty="0"/>
+          </a:p>
+          <a:p>
+            <a:endParaRPr lang="en-DE" dirty="0"/>
+          </a:p>
+          <a:p>
+            <a:r>
+              <a:rPr lang="en-GB" dirty="0"/>
+              <a:t>3</a:t>
+            </a:r>
+            <a:r>
+              <a:rPr lang="en-DE" dirty="0"/>
+              <a:t>-</a:t>
+            </a:r>
+            <a:r>
+              <a:rPr lang="en-GB" dirty="0"/>
+              <a:t> Z</a:t>
+            </a:r>
+            <a:r>
+              <a:rPr lang="en-DE" dirty="0" err="1"/>
+              <a:t>ero</a:t>
+            </a:r>
+            <a:r>
+              <a:rPr lang="en-GB" dirty="0"/>
+              <a:t>-</a:t>
+            </a:r>
+            <a:r>
+              <a:rPr lang="en-DE" dirty="0"/>
+              <a:t>hot accuracy </a:t>
+            </a:r>
+            <a:endParaRPr lang="en-GB" dirty="0"/>
+          </a:p>
+          <a:p>
+            <a:endParaRPr lang="en-DE" dirty="0"/>
+          </a:p>
+          <a:p>
+            <a:r>
+              <a:rPr lang="en-GB" dirty="0"/>
+              <a:t>4</a:t>
+            </a:r>
+            <a:r>
+              <a:rPr lang="en-DE" dirty="0"/>
+              <a:t>-</a:t>
+            </a:r>
+            <a:r>
+              <a:rPr lang="en-GB" dirty="0"/>
+              <a:t> A</a:t>
+            </a:r>
+            <a:r>
+              <a:rPr lang="en-DE" dirty="0" err="1"/>
+              <a:t>nalyzing</a:t>
+            </a:r>
+            <a:r>
+              <a:rPr lang="en-DE" dirty="0"/>
+              <a:t> errors (</a:t>
+            </a:r>
+            <a:r>
+              <a:rPr lang="en-DE" dirty="0" err="1"/>
+              <a:t>lable</a:t>
+            </a:r>
+            <a:r>
+              <a:rPr lang="en-DE" dirty="0"/>
+              <a:t> robustness, ablation and manual analysis)</a:t>
+            </a:r>
+            <a:endParaRPr lang="en-GB" dirty="0"/>
+          </a:p>
+          <a:p>
+            <a:endParaRPr lang="en-DE" dirty="0"/>
+          </a:p>
+          <a:p>
+            <a:r>
+              <a:rPr lang="en-GB" dirty="0"/>
+              <a:t>5</a:t>
+            </a:r>
+            <a:r>
+              <a:rPr lang="en-DE" dirty="0"/>
+              <a:t>-</a:t>
+            </a:r>
+            <a:r>
+              <a:rPr lang="en-GB" dirty="0"/>
+              <a:t> S</a:t>
+            </a:r>
+            <a:r>
+              <a:rPr lang="en-DE" dirty="0" err="1"/>
+              <a:t>upervised</a:t>
+            </a:r>
+            <a:r>
+              <a:rPr lang="en-DE" dirty="0"/>
+              <a:t> training</a:t>
+            </a:r>
+            <a:r>
+              <a:rPr lang="en-GB" dirty="0"/>
+              <a:t> (</a:t>
+            </a:r>
+            <a:r>
+              <a:rPr lang="en-GB" dirty="0" err="1"/>
+              <a:t>QLoRA</a:t>
+            </a:r>
+            <a:r>
+              <a:rPr lang="en-GB" dirty="0"/>
+              <a:t> finetuning)</a:t>
+            </a:r>
+            <a:endParaRPr lang="en-DE" dirty="0"/>
+          </a:p>
+        </p:txBody>
+      </p:sp>
+      <p:sp>
+        <p:nvSpPr>
+          <p:cNvPr id="8" name="TextBox 7">
+            <a:extLst>
+              <a:ext uri="{FF2B5EF4-FFF2-40B4-BE49-F238E27FC236}">
+                <a16:creationId xmlns:a16="http://schemas.microsoft.com/office/drawing/2014/main" id="{3EF0C393-7A54-65CD-E56B-5A51F9D4B2D3}"/>
+              </a:ext>
+            </a:extLst>
+          </p:cNvPr>
+          <p:cNvSpPr txBox="1"/>
+          <p:nvPr/>
+        </p:nvSpPr>
+        <p:spPr>
+          <a:xfrm>
+            <a:off x="8915400" y="1452800"/>
+            <a:ext cx="3276600" cy="1754326"/>
+          </a:xfrm>
+          <a:prstGeom prst="rect">
+            <a:avLst/>
+          </a:prstGeom>
+          <a:noFill/>
+        </p:spPr>
+        <p:txBody>
+          <a:bodyPr wrap="square">
+            <a:spAutoFit/>
+          </a:bodyPr>
+          <a:lstStyle/>
+          <a:p>
+            <a:r>
+              <a:rPr lang="en-GB" dirty="0"/>
+              <a:t>?</a:t>
+            </a:r>
+          </a:p>
+          <a:p>
+            <a:r>
+              <a:rPr lang="en-GB" dirty="0"/>
+              <a:t>n° of classifiers?</a:t>
+            </a:r>
+          </a:p>
+          <a:p>
+            <a:r>
+              <a:rPr lang="en-GB" dirty="0"/>
+              <a:t>      - </a:t>
+            </a:r>
+            <a:r>
+              <a:rPr lang="en-DE" dirty="0"/>
+              <a:t>2 LLMs</a:t>
+            </a:r>
+            <a:r>
+              <a:rPr lang="en-GB" dirty="0"/>
+              <a:t> + train a BERT?</a:t>
+            </a:r>
+          </a:p>
+          <a:p>
+            <a:r>
+              <a:rPr lang="en-DE" dirty="0">
+                <a:solidFill>
+                  <a:srgbClr val="FF0000"/>
+                </a:solidFill>
+              </a:rPr>
+              <a:t>How many ground truth labels?</a:t>
+            </a:r>
+            <a:endParaRPr lang="en-GB" dirty="0">
+              <a:solidFill>
+                <a:srgbClr val="FF0000"/>
+              </a:solidFill>
+            </a:endParaRPr>
+          </a:p>
+          <a:p>
+            <a:r>
+              <a:rPr lang="en-GB" dirty="0"/>
+              <a:t>Ablations for codebook characteristics?</a:t>
+            </a:r>
+            <a:endParaRPr lang="en-DE" dirty="0"/>
+          </a:p>
+        </p:txBody>
+      </p:sp>
+      <p:sp>
+        <p:nvSpPr>
+          <p:cNvPr id="9" name="Rectangle 8">
+            <a:extLst>
+              <a:ext uri="{FF2B5EF4-FFF2-40B4-BE49-F238E27FC236}">
+                <a16:creationId xmlns:a16="http://schemas.microsoft.com/office/drawing/2014/main" id="{9E67BF2C-D661-CD1E-F56F-6F76AC757847}"/>
+              </a:ext>
+            </a:extLst>
+          </p:cNvPr>
+          <p:cNvSpPr/>
+          <p:nvPr/>
+        </p:nvSpPr>
+        <p:spPr>
+          <a:xfrm>
+            <a:off x="279218" y="203200"/>
+            <a:ext cx="4749982" cy="558800"/>
+          </a:xfrm>
+          <a:prstGeom prst="rect">
+            <a:avLst/>
+          </a:prstGeom>
+          <a:noFill/>
+          <a:ln w="38100">
+            <a:solidFill>
+              <a:srgbClr val="0070C0"/>
+            </a:solidFill>
+          </a:ln>
+        </p:spPr>
+        <p:style>
+          <a:lnRef idx="2">
+            <a:schemeClr val="accent1">
+              <a:shade val="15000"/>
+            </a:schemeClr>
+          </a:lnRef>
+          <a:fillRef idx="1">
+            <a:schemeClr val="accent1"/>
+          </a:fillRef>
+          <a:effectRef idx="0">
+            <a:schemeClr val="accent1"/>
+          </a:effectRef>
+          <a:fontRef idx="minor">
+            <a:schemeClr val="lt1"/>
+          </a:fontRef>
+        </p:style>
+        <p:txBody>
+          <a:bodyPr rtlCol="0" anchor="ctr"/>
+          <a:lstStyle/>
+          <a:p>
+            <a:pPr algn="ctr"/>
+            <a:endParaRPr lang="en-DE"/>
+          </a:p>
+        </p:txBody>
+      </p:sp>
+      <p:sp>
+        <p:nvSpPr>
+          <p:cNvPr id="10" name="TextBox 9">
+            <a:extLst>
+              <a:ext uri="{FF2B5EF4-FFF2-40B4-BE49-F238E27FC236}">
+                <a16:creationId xmlns:a16="http://schemas.microsoft.com/office/drawing/2014/main" id="{21A814A6-C35F-5883-E8E2-1F18EA2455DF}"/>
+              </a:ext>
+            </a:extLst>
+          </p:cNvPr>
+          <p:cNvSpPr txBox="1"/>
+          <p:nvPr/>
+        </p:nvSpPr>
+        <p:spPr>
+          <a:xfrm>
+            <a:off x="9995313" y="294144"/>
+            <a:ext cx="1520866" cy="461665"/>
+          </a:xfrm>
+          <a:prstGeom prst="rect">
+            <a:avLst/>
+          </a:prstGeom>
+          <a:noFill/>
+        </p:spPr>
+        <p:txBody>
+          <a:bodyPr wrap="none" rtlCol="0">
+            <a:spAutoFit/>
+          </a:bodyPr>
+          <a:lstStyle/>
+          <a:p>
+            <a:r>
+              <a:rPr lang="en-GB" sz="2400" b="1" dirty="0">
+                <a:solidFill>
+                  <a:schemeClr val="accent5">
+                    <a:lumMod val="75000"/>
+                  </a:schemeClr>
+                </a:solidFill>
+              </a:rPr>
+              <a:t>Next steps</a:t>
+            </a:r>
+            <a:endParaRPr lang="en-DE" sz="2400" b="1" dirty="0">
+              <a:solidFill>
+                <a:schemeClr val="accent5">
+                  <a:lumMod val="75000"/>
+                </a:schemeClr>
+              </a:solidFill>
+            </a:endParaRPr>
+          </a:p>
+        </p:txBody>
+      </p:sp>
+      <p:sp>
+        <p:nvSpPr>
+          <p:cNvPr id="11" name="Rectangle 10">
+            <a:extLst>
+              <a:ext uri="{FF2B5EF4-FFF2-40B4-BE49-F238E27FC236}">
+                <a16:creationId xmlns:a16="http://schemas.microsoft.com/office/drawing/2014/main" id="{F5B224B5-E78D-E89D-8275-FC27F6A7A698}"/>
+              </a:ext>
+            </a:extLst>
+          </p:cNvPr>
+          <p:cNvSpPr/>
+          <p:nvPr/>
+        </p:nvSpPr>
+        <p:spPr>
+          <a:xfrm>
+            <a:off x="9814560" y="100548"/>
+            <a:ext cx="1940560" cy="869315"/>
+          </a:xfrm>
+          <a:prstGeom prst="rect">
+            <a:avLst/>
+          </a:prstGeom>
+          <a:noFill/>
+          <a:ln w="38100">
+            <a:solidFill>
+              <a:srgbClr val="0070C0"/>
+            </a:solidFill>
+          </a:ln>
+        </p:spPr>
+        <p:style>
+          <a:lnRef idx="2">
+            <a:schemeClr val="accent1">
+              <a:shade val="15000"/>
+            </a:schemeClr>
+          </a:lnRef>
+          <a:fillRef idx="1">
+            <a:schemeClr val="accent1"/>
+          </a:fillRef>
+          <a:effectRef idx="0">
+            <a:schemeClr val="accent1"/>
+          </a:effectRef>
+          <a:fontRef idx="minor">
+            <a:schemeClr val="lt1"/>
+          </a:fontRef>
+        </p:style>
+        <p:txBody>
+          <a:bodyPr rtlCol="0" anchor="ctr"/>
+          <a:lstStyle/>
+          <a:p>
+            <a:pPr algn="ctr"/>
+            <a:endParaRPr lang="en-DE"/>
+          </a:p>
+        </p:txBody>
+      </p:sp>
+      <p:sp>
+        <p:nvSpPr>
+          <p:cNvPr id="12" name="Rectangle 11">
+            <a:extLst>
+              <a:ext uri="{FF2B5EF4-FFF2-40B4-BE49-F238E27FC236}">
+                <a16:creationId xmlns:a16="http://schemas.microsoft.com/office/drawing/2014/main" id="{B96DF529-106C-8041-81BF-A51A212A28C1}"/>
+              </a:ext>
+            </a:extLst>
+          </p:cNvPr>
+          <p:cNvSpPr/>
+          <p:nvPr/>
+        </p:nvSpPr>
+        <p:spPr>
+          <a:xfrm>
+            <a:off x="8818698" y="1351280"/>
+            <a:ext cx="3276600" cy="1961524"/>
+          </a:xfrm>
+          <a:prstGeom prst="rect">
+            <a:avLst/>
+          </a:prstGeom>
+          <a:noFill/>
+          <a:ln w="38100">
+            <a:solidFill>
+              <a:srgbClr val="0070C0"/>
+            </a:solidFill>
+          </a:ln>
+        </p:spPr>
+        <p:style>
+          <a:lnRef idx="2">
+            <a:schemeClr val="accent1">
+              <a:shade val="15000"/>
+            </a:schemeClr>
+          </a:lnRef>
+          <a:fillRef idx="1">
+            <a:schemeClr val="accent1"/>
+          </a:fillRef>
+          <a:effectRef idx="0">
+            <a:schemeClr val="accent1"/>
+          </a:effectRef>
+          <a:fontRef idx="minor">
+            <a:schemeClr val="lt1"/>
+          </a:fontRef>
+        </p:style>
+        <p:txBody>
+          <a:bodyPr rtlCol="0" anchor="ctr"/>
+          <a:lstStyle/>
+          <a:p>
+            <a:pPr algn="ctr"/>
+            <a:endParaRPr lang="en-DE"/>
+          </a:p>
+        </p:txBody>
+      </p:sp>
+    </p:spTree>
+    <p:extLst>
+      <p:ext uri="{BB962C8B-B14F-4D97-AF65-F5344CB8AC3E}">
+        <p14:creationId xmlns:p14="http://schemas.microsoft.com/office/powerpoint/2010/main" val="3571377600"/>
+      </p:ext>
+    </p:extLst>
+  </p:cSld>
+  <p:clrMapOvr>
+    <a:masterClrMapping/>
+  </p:clrMapOvr>
+</p:sld>
+</file>
+
+<file path=ppt/slides/slide14.xml><?xml version="1.0" encoding="utf-8"?>
+<p:sld xmlns:a="http://schemas.openxmlformats.org/drawingml/2006/main" xmlns:r="http://schemas.openxmlformats.org/officeDocument/2006/relationships" xmlns:p="http://schemas.openxmlformats.org/presentationml/2006/main">
+  <p:cSld>
+    <p:spTree>
+      <p:nvGrpSpPr>
+        <p:cNvPr id="1" name=""/>
+        <p:cNvGrpSpPr/>
+        <p:nvPr/>
+      </p:nvGrpSpPr>
+      <p:grpSpPr>
+        <a:xfrm>
+          <a:off x="0" y="0"/>
+          <a:ext cx="0" cy="0"/>
+          <a:chOff x="0" y="0"/>
+          <a:chExt cx="0" cy="0"/>
+        </a:xfrm>
+      </p:grpSpPr>
+      <p:sp>
+        <p:nvSpPr>
+          <p:cNvPr id="4" name="Slide Number Placeholder 3">
+            <a:extLst>
+              <a:ext uri="{FF2B5EF4-FFF2-40B4-BE49-F238E27FC236}">
+                <a16:creationId xmlns:a16="http://schemas.microsoft.com/office/drawing/2014/main" id="{2C7A7CE7-7CEA-D5F0-FF89-51C0DFA08014}"/>
+              </a:ext>
+            </a:extLst>
+          </p:cNvPr>
+          <p:cNvSpPr>
+            <a:spLocks noGrp="1"/>
+          </p:cNvSpPr>
+          <p:nvPr>
+            <p:ph type="sldNum" sz="quarter" idx="12"/>
+          </p:nvPr>
+        </p:nvSpPr>
+        <p:spPr>
+          <a:xfrm>
+            <a:off x="9247358" y="6246696"/>
+            <a:ext cx="2743200" cy="365125"/>
+          </a:xfrm>
+        </p:spPr>
+        <p:txBody>
+          <a:bodyPr/>
+          <a:lstStyle/>
+          <a:p>
+            <a:fld id="{5F0A41CE-7C2B-4B37-9810-C6BF1AF0EA25}" type="slidenum">
+              <a:rPr lang="en-DE" smtClean="0"/>
+              <a:t>14</a:t>
+            </a:fld>
+            <a:endParaRPr lang="en-DE" dirty="0"/>
+          </a:p>
+        </p:txBody>
+      </p:sp>
+      <p:pic>
+        <p:nvPicPr>
+          <p:cNvPr id="6" name="Picture 5">
+            <a:extLst>
+              <a:ext uri="{FF2B5EF4-FFF2-40B4-BE49-F238E27FC236}">
+                <a16:creationId xmlns:a16="http://schemas.microsoft.com/office/drawing/2014/main" id="{72D1FA5B-C361-DBED-A3B2-D92F11EF6FA3}"/>
+              </a:ext>
+            </a:extLst>
+          </p:cNvPr>
+          <p:cNvPicPr>
+            <a:picLocks noChangeAspect="1"/>
+          </p:cNvPicPr>
+          <p:nvPr/>
+        </p:nvPicPr>
+        <p:blipFill>
+          <a:blip r:embed="rId2"/>
+          <a:srcRect b="38266"/>
+          <a:stretch/>
+        </p:blipFill>
+        <p:spPr>
+          <a:xfrm>
+            <a:off x="270985" y="4719417"/>
+            <a:ext cx="5581176" cy="1892404"/>
+          </a:xfrm>
+          <a:prstGeom prst="rect">
+            <a:avLst/>
+          </a:prstGeom>
+        </p:spPr>
+      </p:pic>
+      <p:pic>
+        <p:nvPicPr>
+          <p:cNvPr id="8" name="Picture 7">
+            <a:extLst>
+              <a:ext uri="{FF2B5EF4-FFF2-40B4-BE49-F238E27FC236}">
+                <a16:creationId xmlns:a16="http://schemas.microsoft.com/office/drawing/2014/main" id="{95DBD476-B716-0D71-A310-37B71A5AE3BE}"/>
+              </a:ext>
+            </a:extLst>
+          </p:cNvPr>
+          <p:cNvPicPr>
+            <a:picLocks noChangeAspect="1"/>
+          </p:cNvPicPr>
+          <p:nvPr/>
+        </p:nvPicPr>
+        <p:blipFill>
+          <a:blip r:embed="rId3"/>
+          <a:stretch>
+            <a:fillRect/>
+          </a:stretch>
+        </p:blipFill>
+        <p:spPr>
+          <a:xfrm>
+            <a:off x="6241744" y="791029"/>
+            <a:ext cx="5950256" cy="3283119"/>
+          </a:xfrm>
+          <a:prstGeom prst="rect">
+            <a:avLst/>
+          </a:prstGeom>
+        </p:spPr>
+      </p:pic>
+      <p:sp>
+        <p:nvSpPr>
+          <p:cNvPr id="9" name="TextBox 8">
+            <a:extLst>
+              <a:ext uri="{FF2B5EF4-FFF2-40B4-BE49-F238E27FC236}">
+                <a16:creationId xmlns:a16="http://schemas.microsoft.com/office/drawing/2014/main" id="{ECBFB090-E651-9321-A61F-DD33CCADBB51}"/>
+              </a:ext>
+            </a:extLst>
+          </p:cNvPr>
+          <p:cNvSpPr txBox="1"/>
+          <p:nvPr/>
+        </p:nvSpPr>
+        <p:spPr>
+          <a:xfrm>
+            <a:off x="345440" y="4182388"/>
+            <a:ext cx="1622560" cy="369332"/>
+          </a:xfrm>
+          <a:prstGeom prst="rect">
+            <a:avLst/>
+          </a:prstGeom>
+          <a:noFill/>
+        </p:spPr>
+        <p:txBody>
+          <a:bodyPr wrap="none" rtlCol="0">
+            <a:spAutoFit/>
+          </a:bodyPr>
+          <a:lstStyle/>
+          <a:p>
+            <a:r>
+              <a:rPr lang="de-DE" dirty="0"/>
+              <a:t>(</a:t>
+            </a:r>
+            <a:r>
+              <a:rPr lang="de-DE" dirty="0" err="1"/>
+              <a:t>Dunivin</a:t>
+            </a:r>
+            <a:r>
+              <a:rPr lang="de-DE" dirty="0"/>
+              <a:t>, 2024)</a:t>
+            </a:r>
+            <a:endParaRPr lang="en-DE" dirty="0"/>
+          </a:p>
+        </p:txBody>
+      </p:sp>
+      <p:sp>
+        <p:nvSpPr>
+          <p:cNvPr id="11" name="TextBox 10">
+            <a:extLst>
+              <a:ext uri="{FF2B5EF4-FFF2-40B4-BE49-F238E27FC236}">
+                <a16:creationId xmlns:a16="http://schemas.microsoft.com/office/drawing/2014/main" id="{1CDFCB0B-7B7A-6EE1-F792-F6A9A4837243}"/>
+              </a:ext>
+            </a:extLst>
+          </p:cNvPr>
+          <p:cNvSpPr txBox="1"/>
+          <p:nvPr/>
+        </p:nvSpPr>
+        <p:spPr>
+          <a:xfrm>
+            <a:off x="6715760" y="308744"/>
+            <a:ext cx="4826000" cy="369332"/>
+          </a:xfrm>
+          <a:prstGeom prst="rect">
+            <a:avLst/>
+          </a:prstGeom>
+          <a:noFill/>
+        </p:spPr>
+        <p:txBody>
+          <a:bodyPr wrap="square">
+            <a:spAutoFit/>
+          </a:bodyPr>
+          <a:lstStyle/>
+          <a:p>
+            <a:r>
+              <a:rPr lang="de-DE" dirty="0"/>
+              <a:t>(Xiao et al., 2023)</a:t>
+            </a:r>
+            <a:endParaRPr lang="en-DE" dirty="0"/>
+          </a:p>
+        </p:txBody>
+      </p:sp>
+      <p:pic>
+        <p:nvPicPr>
+          <p:cNvPr id="13" name="Picture 12">
+            <a:extLst>
+              <a:ext uri="{FF2B5EF4-FFF2-40B4-BE49-F238E27FC236}">
+                <a16:creationId xmlns:a16="http://schemas.microsoft.com/office/drawing/2014/main" id="{C1EBBCE7-6E05-8F38-F1B5-E3BDD8B8241D}"/>
+              </a:ext>
+            </a:extLst>
+          </p:cNvPr>
+          <p:cNvPicPr>
+            <a:picLocks noChangeAspect="1"/>
+          </p:cNvPicPr>
+          <p:nvPr/>
+        </p:nvPicPr>
+        <p:blipFill>
+          <a:blip r:embed="rId4"/>
+          <a:stretch>
+            <a:fillRect/>
+          </a:stretch>
+        </p:blipFill>
+        <p:spPr>
+          <a:xfrm>
+            <a:off x="0" y="678076"/>
+            <a:ext cx="6569761" cy="3127576"/>
+          </a:xfrm>
+          <a:prstGeom prst="rect">
+            <a:avLst/>
+          </a:prstGeom>
+        </p:spPr>
+      </p:pic>
+      <p:sp>
+        <p:nvSpPr>
+          <p:cNvPr id="16" name="TextBox 15">
+            <a:extLst>
+              <a:ext uri="{FF2B5EF4-FFF2-40B4-BE49-F238E27FC236}">
+                <a16:creationId xmlns:a16="http://schemas.microsoft.com/office/drawing/2014/main" id="{DADC470B-A965-6E39-EB29-9558029D5B6B}"/>
+              </a:ext>
+            </a:extLst>
+          </p:cNvPr>
+          <p:cNvSpPr txBox="1"/>
+          <p:nvPr/>
+        </p:nvSpPr>
+        <p:spPr>
+          <a:xfrm>
+            <a:off x="270985" y="171527"/>
+            <a:ext cx="3488215" cy="369332"/>
+          </a:xfrm>
+          <a:prstGeom prst="rect">
+            <a:avLst/>
+          </a:prstGeom>
+          <a:noFill/>
+        </p:spPr>
+        <p:txBody>
+          <a:bodyPr wrap="square">
+            <a:spAutoFit/>
+          </a:bodyPr>
+          <a:lstStyle/>
+          <a:p>
+            <a:r>
+              <a:rPr lang="en-DE" dirty="0"/>
+              <a:t>(Halterman &amp; Keith, 2025)</a:t>
+            </a:r>
+          </a:p>
+        </p:txBody>
+      </p:sp>
+    </p:spTree>
+    <p:extLst>
+      <p:ext uri="{BB962C8B-B14F-4D97-AF65-F5344CB8AC3E}">
+        <p14:creationId xmlns:p14="http://schemas.microsoft.com/office/powerpoint/2010/main" val="1975265642"/>
+      </p:ext>
+    </p:extLst>
+  </p:cSld>
+  <p:clrMapOvr>
+    <a:masterClrMapping/>
+  </p:clrMapOvr>
+</p:sld>
+</file>
+
+<file path=ppt/slides/slide15.xml><?xml version="1.0" encoding="utf-8"?>
+<p:sld xmlns:a="http://schemas.openxmlformats.org/drawingml/2006/main" xmlns:r="http://schemas.openxmlformats.org/officeDocument/2006/relationships" xmlns:p="http://schemas.openxmlformats.org/presentationml/2006/main">
+  <p:cSld>
+    <p:spTree>
+      <p:nvGrpSpPr>
+        <p:cNvPr id="1" name=""/>
+        <p:cNvGrpSpPr/>
+        <p:nvPr/>
+      </p:nvGrpSpPr>
+      <p:grpSpPr>
+        <a:xfrm>
+          <a:off x="0" y="0"/>
+          <a:ext cx="0" cy="0"/>
+          <a:chOff x="0" y="0"/>
+          <a:chExt cx="0" cy="0"/>
+        </a:xfrm>
+      </p:grpSpPr>
+      <p:sp>
+        <p:nvSpPr>
+          <p:cNvPr id="4" name="Slide Number Placeholder 3">
+            <a:extLst>
+              <a:ext uri="{FF2B5EF4-FFF2-40B4-BE49-F238E27FC236}">
+                <a16:creationId xmlns:a16="http://schemas.microsoft.com/office/drawing/2014/main" id="{74991E85-505B-F8BE-23E5-0FE52CB1B9E3}"/>
+              </a:ext>
+            </a:extLst>
+          </p:cNvPr>
+          <p:cNvSpPr>
+            <a:spLocks noGrp="1"/>
+          </p:cNvSpPr>
+          <p:nvPr>
+            <p:ph type="sldNum" sz="quarter" idx="12"/>
+          </p:nvPr>
+        </p:nvSpPr>
+        <p:spPr/>
+        <p:txBody>
+          <a:bodyPr/>
+          <a:lstStyle/>
+          <a:p>
+            <a:fld id="{5F0A41CE-7C2B-4B37-9810-C6BF1AF0EA25}" type="slidenum">
+              <a:rPr lang="en-DE" smtClean="0"/>
+              <a:t>15</a:t>
+            </a:fld>
+            <a:endParaRPr lang="en-DE"/>
+          </a:p>
+        </p:txBody>
+      </p:sp>
+      <p:sp>
+        <p:nvSpPr>
+          <p:cNvPr id="9" name="TextBox 8">
+            <a:extLst>
+              <a:ext uri="{FF2B5EF4-FFF2-40B4-BE49-F238E27FC236}">
+                <a16:creationId xmlns:a16="http://schemas.microsoft.com/office/drawing/2014/main" id="{4428F4E7-0FF2-3E03-84AA-1CC984B7AF28}"/>
+              </a:ext>
+            </a:extLst>
+          </p:cNvPr>
+          <p:cNvSpPr txBox="1"/>
+          <p:nvPr/>
+        </p:nvSpPr>
+        <p:spPr>
+          <a:xfrm>
+            <a:off x="4907280" y="1315340"/>
+            <a:ext cx="5252720" cy="2585323"/>
+          </a:xfrm>
+          <a:prstGeom prst="rect">
+            <a:avLst/>
+          </a:prstGeom>
+          <a:noFill/>
+        </p:spPr>
+        <p:txBody>
+          <a:bodyPr wrap="square">
+            <a:spAutoFit/>
+          </a:bodyPr>
+          <a:lstStyle/>
+          <a:p>
+            <a:r>
+              <a:rPr lang="en-GB" dirty="0"/>
+              <a:t>In silico p</a:t>
+            </a:r>
+            <a:r>
+              <a:rPr lang="en-DE" dirty="0" err="1"/>
+              <a:t>oll</a:t>
+            </a:r>
+            <a:r>
+              <a:rPr lang="en-GB" dirty="0" err="1"/>
+              <a:t>ing</a:t>
+            </a:r>
+            <a:r>
+              <a:rPr lang="en-GB" dirty="0"/>
+              <a:t> (Deb Roy [Chu et al., 2023])</a:t>
+            </a:r>
+            <a:r>
+              <a:rPr lang="en-DE" dirty="0"/>
+              <a:t>?</a:t>
+            </a:r>
+            <a:r>
+              <a:rPr lang="en-GB" dirty="0"/>
+              <a:t> </a:t>
+            </a:r>
+          </a:p>
+          <a:p>
+            <a:r>
+              <a:rPr lang="en-GB" dirty="0"/>
+              <a:t>	-What is </a:t>
+            </a:r>
+            <a:r>
+              <a:rPr lang="en-GB" dirty="0" err="1"/>
+              <a:t>inequlity</a:t>
+            </a:r>
+            <a:r>
+              <a:rPr lang="en-GB" dirty="0"/>
+              <a:t>?</a:t>
+            </a:r>
+          </a:p>
+          <a:p>
+            <a:r>
+              <a:rPr lang="en-GB" dirty="0"/>
+              <a:t>	-Support for redistribution?</a:t>
+            </a:r>
+          </a:p>
+          <a:p>
+            <a:r>
+              <a:rPr lang="en-GB" dirty="0"/>
+              <a:t>	-Poverty causes/attributions?</a:t>
+            </a:r>
+          </a:p>
+          <a:p>
+            <a:r>
+              <a:rPr lang="en-GB" dirty="0"/>
+              <a:t>	-Poverty/horizontal inequality stereotypes?</a:t>
+            </a:r>
+          </a:p>
+          <a:p>
+            <a:r>
+              <a:rPr lang="en-GB" dirty="0"/>
+              <a:t>Get more newspapers (e.g. Factiva)?</a:t>
+            </a:r>
+          </a:p>
+          <a:p>
+            <a:endParaRPr lang="en-GB" dirty="0"/>
+          </a:p>
+          <a:p>
+            <a:r>
+              <a:rPr lang="en-GB" dirty="0"/>
+              <a:t>M</a:t>
+            </a:r>
+            <a:r>
+              <a:rPr lang="en-DE" dirty="0" err="1"/>
+              <a:t>eeting</a:t>
+            </a:r>
+            <a:r>
+              <a:rPr lang="en-DE" dirty="0"/>
+              <a:t> with Claudia?</a:t>
+            </a:r>
+            <a:endParaRPr lang="en-GB" dirty="0"/>
+          </a:p>
+          <a:p>
+            <a:r>
+              <a:rPr lang="en-GB" dirty="0"/>
+              <a:t>Thesis month extension</a:t>
+            </a:r>
+            <a:endParaRPr lang="en-DE" dirty="0"/>
+          </a:p>
+        </p:txBody>
+      </p:sp>
+      <p:sp>
+        <p:nvSpPr>
+          <p:cNvPr id="10" name="TextBox 9">
+            <a:extLst>
+              <a:ext uri="{FF2B5EF4-FFF2-40B4-BE49-F238E27FC236}">
+                <a16:creationId xmlns:a16="http://schemas.microsoft.com/office/drawing/2014/main" id="{834E3102-BDD1-6CCD-97FC-B72B50B7C681}"/>
+              </a:ext>
+            </a:extLst>
+          </p:cNvPr>
+          <p:cNvSpPr txBox="1"/>
+          <p:nvPr/>
+        </p:nvSpPr>
+        <p:spPr>
+          <a:xfrm>
+            <a:off x="4942658" y="698234"/>
+            <a:ext cx="1892639" cy="369332"/>
+          </a:xfrm>
+          <a:prstGeom prst="rect">
+            <a:avLst/>
+          </a:prstGeom>
+          <a:noFill/>
+        </p:spPr>
+        <p:txBody>
+          <a:bodyPr wrap="square" rtlCol="0">
+            <a:spAutoFit/>
+          </a:bodyPr>
+          <a:lstStyle/>
+          <a:p>
+            <a:r>
+              <a:rPr lang="en-GB" dirty="0"/>
+              <a:t>Other next steps…</a:t>
+            </a:r>
+            <a:endParaRPr lang="en-DE" dirty="0"/>
+          </a:p>
+        </p:txBody>
+      </p:sp>
+      <p:sp>
+        <p:nvSpPr>
+          <p:cNvPr id="11" name="Rectangle 10">
+            <a:extLst>
+              <a:ext uri="{FF2B5EF4-FFF2-40B4-BE49-F238E27FC236}">
+                <a16:creationId xmlns:a16="http://schemas.microsoft.com/office/drawing/2014/main" id="{6672F169-5D29-AEBB-BB60-92D22091272F}"/>
+              </a:ext>
+            </a:extLst>
+          </p:cNvPr>
+          <p:cNvSpPr/>
+          <p:nvPr/>
+        </p:nvSpPr>
+        <p:spPr>
+          <a:xfrm>
+            <a:off x="4907280" y="592641"/>
+            <a:ext cx="1927393" cy="573851"/>
+          </a:xfrm>
+          <a:prstGeom prst="rect">
+            <a:avLst/>
+          </a:prstGeom>
+          <a:noFill/>
+          <a:ln w="38100">
+            <a:solidFill>
+              <a:srgbClr val="0070C0"/>
+            </a:solidFill>
+          </a:ln>
+        </p:spPr>
+        <p:style>
+          <a:lnRef idx="2">
+            <a:schemeClr val="accent1">
+              <a:shade val="15000"/>
+            </a:schemeClr>
+          </a:lnRef>
+          <a:fillRef idx="1">
+            <a:schemeClr val="accent1"/>
+          </a:fillRef>
+          <a:effectRef idx="0">
+            <a:schemeClr val="accent1"/>
+          </a:effectRef>
+          <a:fontRef idx="minor">
+            <a:schemeClr val="lt1"/>
+          </a:fontRef>
+        </p:style>
+        <p:txBody>
+          <a:bodyPr rtlCol="0" anchor="ctr"/>
+          <a:lstStyle/>
+          <a:p>
+            <a:pPr algn="ctr"/>
+            <a:endParaRPr lang="en-DE"/>
+          </a:p>
+        </p:txBody>
+      </p:sp>
+      <p:sp>
+        <p:nvSpPr>
+          <p:cNvPr id="12" name="Rectangle 11">
+            <a:extLst>
+              <a:ext uri="{FF2B5EF4-FFF2-40B4-BE49-F238E27FC236}">
+                <a16:creationId xmlns:a16="http://schemas.microsoft.com/office/drawing/2014/main" id="{0A9F32E6-5356-434C-8AE3-E369D7533DB4}"/>
+              </a:ext>
+            </a:extLst>
+          </p:cNvPr>
+          <p:cNvSpPr/>
+          <p:nvPr/>
+        </p:nvSpPr>
+        <p:spPr>
+          <a:xfrm>
+            <a:off x="4597804" y="407668"/>
+            <a:ext cx="7197955" cy="3696972"/>
+          </a:xfrm>
+          <a:prstGeom prst="rect">
+            <a:avLst/>
+          </a:prstGeom>
+          <a:noFill/>
+          <a:ln w="38100">
+            <a:solidFill>
+              <a:srgbClr val="0070C0"/>
+            </a:solidFill>
+          </a:ln>
+        </p:spPr>
+        <p:style>
+          <a:lnRef idx="2">
+            <a:schemeClr val="accent1">
+              <a:shade val="15000"/>
+            </a:schemeClr>
+          </a:lnRef>
+          <a:fillRef idx="1">
+            <a:schemeClr val="accent1"/>
+          </a:fillRef>
+          <a:effectRef idx="0">
+            <a:schemeClr val="accent1"/>
+          </a:effectRef>
+          <a:fontRef idx="minor">
+            <a:schemeClr val="lt1"/>
+          </a:fontRef>
+        </p:style>
+        <p:txBody>
+          <a:bodyPr rtlCol="0" anchor="ctr"/>
+          <a:lstStyle/>
+          <a:p>
+            <a:pPr algn="ctr"/>
+            <a:endParaRPr lang="en-DE"/>
+          </a:p>
+        </p:txBody>
+      </p:sp>
+      <p:sp>
+        <p:nvSpPr>
+          <p:cNvPr id="13" name="Rectangle 12">
+            <a:extLst>
+              <a:ext uri="{FF2B5EF4-FFF2-40B4-BE49-F238E27FC236}">
+                <a16:creationId xmlns:a16="http://schemas.microsoft.com/office/drawing/2014/main" id="{DD9F5A1A-14F9-8FF7-ED1D-D7BDCE99DB17}"/>
+              </a:ext>
+            </a:extLst>
+          </p:cNvPr>
+          <p:cNvSpPr/>
+          <p:nvPr/>
+        </p:nvSpPr>
+        <p:spPr>
+          <a:xfrm>
+            <a:off x="436698" y="374867"/>
+            <a:ext cx="3576503" cy="1891071"/>
+          </a:xfrm>
+          <a:prstGeom prst="rect">
+            <a:avLst/>
+          </a:prstGeom>
+          <a:noFill/>
+          <a:ln w="38100">
+            <a:solidFill>
+              <a:srgbClr val="0070C0"/>
+            </a:solidFill>
+          </a:ln>
+        </p:spPr>
+        <p:style>
+          <a:lnRef idx="2">
+            <a:schemeClr val="accent1">
+              <a:shade val="15000"/>
+            </a:schemeClr>
+          </a:lnRef>
+          <a:fillRef idx="1">
+            <a:schemeClr val="accent1"/>
+          </a:fillRef>
+          <a:effectRef idx="0">
+            <a:schemeClr val="accent1"/>
+          </a:effectRef>
+          <a:fontRef idx="minor">
+            <a:schemeClr val="lt1"/>
+          </a:fontRef>
+        </p:style>
+        <p:txBody>
+          <a:bodyPr rtlCol="0" anchor="ctr"/>
+          <a:lstStyle/>
+          <a:p>
+            <a:pPr algn="ctr"/>
+            <a:endParaRPr lang="en-DE"/>
+          </a:p>
+        </p:txBody>
+      </p:sp>
+      <p:sp>
+        <p:nvSpPr>
+          <p:cNvPr id="14" name="TextBox 13">
+            <a:extLst>
+              <a:ext uri="{FF2B5EF4-FFF2-40B4-BE49-F238E27FC236}">
+                <a16:creationId xmlns:a16="http://schemas.microsoft.com/office/drawing/2014/main" id="{982FEDC0-49B9-E8E7-B653-DC241D2FA2F9}"/>
+              </a:ext>
+            </a:extLst>
+          </p:cNvPr>
+          <p:cNvSpPr txBox="1"/>
+          <p:nvPr/>
+        </p:nvSpPr>
+        <p:spPr>
+          <a:xfrm>
+            <a:off x="497658" y="407668"/>
+            <a:ext cx="3576503" cy="1754326"/>
+          </a:xfrm>
+          <a:prstGeom prst="rect">
+            <a:avLst/>
+          </a:prstGeom>
+          <a:noFill/>
+        </p:spPr>
+        <p:txBody>
+          <a:bodyPr wrap="square" rtlCol="0">
+            <a:spAutoFit/>
+          </a:bodyPr>
+          <a:lstStyle/>
+          <a:p>
+            <a:r>
+              <a:rPr lang="en-GB" dirty="0"/>
+              <a:t>?</a:t>
+            </a:r>
+          </a:p>
+          <a:p>
+            <a:r>
+              <a:rPr lang="en-GB" dirty="0"/>
+              <a:t>Divide between training and test set?</a:t>
+            </a:r>
+          </a:p>
+          <a:p>
+            <a:r>
+              <a:rPr lang="en-GB" dirty="0"/>
+              <a:t>Other topic selection approaches? </a:t>
+            </a:r>
+          </a:p>
+          <a:p>
+            <a:r>
+              <a:rPr lang="en-GB" dirty="0"/>
+              <a:t>     -Alina approach / </a:t>
+            </a:r>
+            <a:r>
+              <a:rPr lang="en-GB" dirty="0" err="1"/>
+              <a:t>BertTopic</a:t>
+            </a:r>
+            <a:endParaRPr lang="en-GB" dirty="0"/>
+          </a:p>
+          <a:p>
+            <a:r>
+              <a:rPr lang="en-GB" dirty="0"/>
+              <a:t>     -Prompting approach (</a:t>
+            </a:r>
+            <a:r>
+              <a:rPr lang="en-GB" dirty="0" err="1"/>
+              <a:t>TopicGPT</a:t>
+            </a:r>
+            <a:r>
+              <a:rPr lang="en-GB" dirty="0"/>
+              <a:t>)</a:t>
+            </a:r>
+          </a:p>
+        </p:txBody>
+      </p:sp>
+      <p:sp>
+        <p:nvSpPr>
+          <p:cNvPr id="15" name="TextBox 14">
+            <a:extLst>
+              <a:ext uri="{FF2B5EF4-FFF2-40B4-BE49-F238E27FC236}">
+                <a16:creationId xmlns:a16="http://schemas.microsoft.com/office/drawing/2014/main" id="{52C00B89-1D6A-76C9-ABBB-6C954CB7D52A}"/>
+              </a:ext>
+            </a:extLst>
+          </p:cNvPr>
+          <p:cNvSpPr txBox="1"/>
+          <p:nvPr/>
+        </p:nvSpPr>
+        <p:spPr>
+          <a:xfrm>
+            <a:off x="487681" y="2732059"/>
+            <a:ext cx="3276600" cy="1754326"/>
+          </a:xfrm>
+          <a:prstGeom prst="rect">
+            <a:avLst/>
+          </a:prstGeom>
+          <a:noFill/>
+        </p:spPr>
+        <p:txBody>
+          <a:bodyPr wrap="square">
+            <a:spAutoFit/>
+          </a:bodyPr>
+          <a:lstStyle/>
+          <a:p>
+            <a:r>
+              <a:rPr lang="en-GB" dirty="0"/>
+              <a:t>?</a:t>
+            </a:r>
+          </a:p>
+          <a:p>
+            <a:r>
+              <a:rPr lang="en-GB" dirty="0"/>
+              <a:t>n° of classifiers?</a:t>
+            </a:r>
+          </a:p>
+          <a:p>
+            <a:r>
+              <a:rPr lang="en-GB" dirty="0"/>
+              <a:t>      - </a:t>
+            </a:r>
+            <a:r>
+              <a:rPr lang="en-DE" dirty="0"/>
+              <a:t>2 LLMs</a:t>
+            </a:r>
+            <a:r>
+              <a:rPr lang="en-GB" dirty="0"/>
+              <a:t> + train a BERT?</a:t>
+            </a:r>
+          </a:p>
+          <a:p>
+            <a:r>
+              <a:rPr lang="en-DE" dirty="0">
+                <a:solidFill>
+                  <a:srgbClr val="FF0000"/>
+                </a:solidFill>
+              </a:rPr>
+              <a:t>How many ground truth labels?</a:t>
+            </a:r>
+            <a:endParaRPr lang="en-GB" dirty="0">
+              <a:solidFill>
+                <a:srgbClr val="FF0000"/>
+              </a:solidFill>
+            </a:endParaRPr>
+          </a:p>
+          <a:p>
+            <a:r>
+              <a:rPr lang="en-GB" dirty="0"/>
+              <a:t>Ablations for codebook characteristics?</a:t>
+            </a:r>
+            <a:endParaRPr lang="en-DE" dirty="0"/>
+          </a:p>
+        </p:txBody>
+      </p:sp>
+      <p:sp>
+        <p:nvSpPr>
+          <p:cNvPr id="16" name="Rectangle 15">
+            <a:extLst>
+              <a:ext uri="{FF2B5EF4-FFF2-40B4-BE49-F238E27FC236}">
+                <a16:creationId xmlns:a16="http://schemas.microsoft.com/office/drawing/2014/main" id="{E1B14159-9E73-6383-DCB7-F7406EED9A84}"/>
+              </a:ext>
+            </a:extLst>
+          </p:cNvPr>
+          <p:cNvSpPr/>
+          <p:nvPr/>
+        </p:nvSpPr>
+        <p:spPr>
+          <a:xfrm>
+            <a:off x="390979" y="2630539"/>
+            <a:ext cx="3276600" cy="1961524"/>
+          </a:xfrm>
+          <a:prstGeom prst="rect">
+            <a:avLst/>
+          </a:prstGeom>
+          <a:noFill/>
+          <a:ln w="38100">
+            <a:solidFill>
+              <a:srgbClr val="0070C0"/>
+            </a:solidFill>
+          </a:ln>
+        </p:spPr>
+        <p:style>
+          <a:lnRef idx="2">
+            <a:schemeClr val="accent1">
+              <a:shade val="15000"/>
+            </a:schemeClr>
+          </a:lnRef>
+          <a:fillRef idx="1">
+            <a:schemeClr val="accent1"/>
+          </a:fillRef>
+          <a:effectRef idx="0">
+            <a:schemeClr val="accent1"/>
+          </a:effectRef>
+          <a:fontRef idx="minor">
+            <a:schemeClr val="lt1"/>
+          </a:fontRef>
+        </p:style>
+        <p:txBody>
+          <a:bodyPr rtlCol="0" anchor="ctr"/>
+          <a:lstStyle/>
+          <a:p>
+            <a:pPr algn="ctr"/>
+            <a:endParaRPr lang="en-DE"/>
+          </a:p>
+        </p:txBody>
+      </p:sp>
+    </p:spTree>
+    <p:extLst>
+      <p:ext uri="{BB962C8B-B14F-4D97-AF65-F5344CB8AC3E}">
+        <p14:creationId xmlns:p14="http://schemas.microsoft.com/office/powerpoint/2010/main" val="4008054965"/>
       </p:ext>
     </p:extLst>
   </p:cSld>
